--- a/PPT FWD TNSDC 2025.pptx
+++ b/PPT FWD TNSDC 2025.pptx
@@ -218,7 +218,7 @@
           <a:p>
             <a:fld id="{84B86612-B127-4CD0-BF15-66D49A7175F7}" type="datetimeFigureOut">
               <a:rPr lang="en-IN" smtClean="0"/>
-              <a:t>29-08-2025</a:t>
+              <a:t>30-08-2025</a:t>
             </a:fld>
             <a:endParaRPr lang="en-IN"/>
           </a:p>
@@ -715,7 +715,7 @@
           <a:p>
             <a:fld id="{1D8BD707-D9CF-40AE-B4C6-C98DA3205C09}" type="datetimeFigureOut">
               <a:rPr lang="en-US"/>
-              <a:t>8/29/2025</a:t>
+              <a:t>8/30/2025</a:t>
             </a:fld>
             <a:endParaRPr lang="en-US"/>
           </a:p>
@@ -895,7 +895,7 @@
           <a:p>
             <a:fld id="{1D8BD707-D9CF-40AE-B4C6-C98DA3205C09}" type="datetimeFigureOut">
               <a:rPr lang="en-US"/>
-              <a:t>8/29/2025</a:t>
+              <a:t>8/30/2025</a:t>
             </a:fld>
             <a:endParaRPr lang="en-US"/>
           </a:p>
@@ -1118,7 +1118,7 @@
           <a:p>
             <a:fld id="{1D8BD707-D9CF-40AE-B4C6-C98DA3205C09}" type="datetimeFigureOut">
               <a:rPr lang="en-US"/>
-              <a:t>8/29/2025</a:t>
+              <a:t>8/30/2025</a:t>
             </a:fld>
             <a:endParaRPr lang="en-US"/>
           </a:p>
@@ -1275,7 +1275,7 @@
           <a:p>
             <a:fld id="{1D8BD707-D9CF-40AE-B4C6-C98DA3205C09}" type="datetimeFigureOut">
               <a:rPr lang="en-US"/>
-              <a:t>8/29/2025</a:t>
+              <a:t>8/30/2025</a:t>
             </a:fld>
             <a:endParaRPr lang="en-US"/>
           </a:p>
@@ -1403,7 +1403,7 @@
           <a:p>
             <a:fld id="{1D8BD707-D9CF-40AE-B4C6-C98DA3205C09}" type="datetimeFigureOut">
               <a:rPr lang="en-US"/>
-              <a:t>8/29/2025</a:t>
+              <a:t>8/30/2025</a:t>
             </a:fld>
             <a:endParaRPr lang="en-US"/>
           </a:p>
@@ -2122,7 +2122,7 @@
           <a:p>
             <a:fld id="{1D8BD707-D9CF-40AE-B4C6-C98DA3205C09}" type="datetimeFigureOut">
               <a:rPr lang="en-US"/>
-              <a:t>8/29/2025</a:t>
+              <a:t>8/30/2025</a:t>
             </a:fld>
             <a:endParaRPr lang="en-US"/>
           </a:p>
@@ -2717,7 +2717,7 @@
         <p:spPr>
           <a:xfrm>
             <a:off x="2554542" y="3314150"/>
-            <a:ext cx="8610600" cy="1938992"/>
+            <a:ext cx="8610600" cy="3416320"/>
           </a:xfrm>
           <a:prstGeom prst="rect">
             <a:avLst/>
@@ -2732,29 +2732,49 @@
           <a:p>
             <a:r>
               <a:rPr lang="en-US" sz="2400" dirty="0"/>
-              <a:t>STUDENT NAME: </a:t>
+              <a:t>STUDENT NAME:ARUN KUMAR S </a:t>
             </a:r>
           </a:p>
           <a:p>
             <a:r>
               <a:rPr lang="en-US" sz="2400" dirty="0"/>
-              <a:t>REGISTER NO AND NMID: </a:t>
-            </a:r>
-            <a:endParaRPr lang="en-US" sz="2400" dirty="0">
-              <a:cs typeface="Calibri"/>
-            </a:endParaRPr>
+              <a:t>REGISTER NO: 24132161802521015</a:t>
+            </a:r>
+          </a:p>
+          <a:p>
+            <a:r>
+              <a:rPr lang="en-US" sz="2400" dirty="0">
+                <a:cs typeface="Calibri"/>
+              </a:rPr>
+              <a:t>NMID:autanm21621624ucse015</a:t>
+            </a:r>
           </a:p>
           <a:p>
             <a:r>
               <a:rPr lang="en-US" sz="2400" dirty="0"/>
-              <a:t>DEPARTMENT: </a:t>
+              <a:t>DEPARTMENT: COMPUTER SCIENCE </a:t>
             </a:r>
           </a:p>
           <a:p>
             <a:r>
               <a:rPr lang="en-US" sz="2400" dirty="0"/>
-              <a:t>COLLEGE: COLLEGE/ UNIVERSITY</a:t>
-            </a:r>
+              <a:t>COLLEGE: GOVERNMENT ARTS AND SCIENCE COLLEGE </a:t>
+            </a:r>
+          </a:p>
+          <a:p>
+            <a:r>
+              <a:rPr lang="en-US" sz="2400" dirty="0"/>
+              <a:t>THIRUVENNAINALLUR</a:t>
+            </a:r>
+          </a:p>
+          <a:p>
+            <a:r>
+              <a:rPr lang="en-US" sz="2400" dirty="0"/>
+              <a:t>UNIVERSITY: ANNAMALAI UNIVERSITY </a:t>
+            </a:r>
+          </a:p>
+          <a:p>
+            <a:endParaRPr lang="en-US" sz="2400" dirty="0"/>
           </a:p>
           <a:p>
             <a:r>
@@ -3218,55 +3238,6 @@
             <a:endParaRPr sz="1100">
               <a:latin typeface="Trebuchet MS"/>
               <a:cs typeface="Trebuchet MS"/>
-            </a:endParaRPr>
-          </a:p>
-        </p:txBody>
-      </p:sp>
-      <p:sp>
-        <p:nvSpPr>
-          <p:cNvPr id="9" name="TextBox 8">
-            <a:extLst>
-              <a:ext uri="{FF2B5EF4-FFF2-40B4-BE49-F238E27FC236}">
-                <a16:creationId xmlns:a16="http://schemas.microsoft.com/office/drawing/2014/main" id="{FAD9CEB2-36E1-0550-426B-2FAF97882044}"/>
-              </a:ext>
-            </a:extLst>
-          </p:cNvPr>
-          <p:cNvSpPr txBox="1"/>
-          <p:nvPr/>
-        </p:nvSpPr>
-        <p:spPr>
-          <a:xfrm>
-            <a:off x="2743200" y="2354703"/>
-            <a:ext cx="8534018" cy="954107"/>
-          </a:xfrm>
-          <a:prstGeom prst="rect">
-            <a:avLst/>
-          </a:prstGeom>
-          <a:noFill/>
-        </p:spPr>
-        <p:txBody>
-          <a:bodyPr wrap="square" rtlCol="0">
-            <a:spAutoFit/>
-          </a:bodyPr>
-          <a:lstStyle/>
-          <a:p>
-            <a:pPr algn="l">
-              <a:buFont typeface="Arial" panose="020B0604020202020204" pitchFamily="34" charset="0"/>
-              <a:buChar char="•"/>
-            </a:pPr>
-            <a:endParaRPr lang="en-US" sz="2800" b="0" i="0" dirty="0">
-              <a:solidFill>
-                <a:srgbClr val="0D0D0D"/>
-              </a:solidFill>
-              <a:effectLst/>
-              <a:latin typeface="Times New Roman" panose="02020603050405020304" pitchFamily="18" charset="0"/>
-              <a:cs typeface="Times New Roman" panose="02020603050405020304" pitchFamily="18" charset="0"/>
-            </a:endParaRPr>
-          </a:p>
-          <a:p>
-            <a:endParaRPr lang="en-IN" sz="2800" dirty="0">
-              <a:latin typeface="Times New Roman" panose="02020603050405020304" pitchFamily="18" charset="0"/>
-              <a:cs typeface="Times New Roman" panose="02020603050405020304" pitchFamily="18" charset="0"/>
             </a:endParaRPr>
           </a:p>
         </p:txBody>
@@ -6993,6 +6964,65 @@
           </a:p>
         </p:txBody>
       </p:sp>
+      <p:sp>
+        <p:nvSpPr>
+          <p:cNvPr id="9" name="TextBox 8">
+            <a:extLst>
+              <a:ext uri="{FF2B5EF4-FFF2-40B4-BE49-F238E27FC236}">
+                <a16:creationId xmlns:a16="http://schemas.microsoft.com/office/drawing/2014/main" id="{43A9676B-5082-41DA-E56B-470525ACC85A}"/>
+              </a:ext>
+            </a:extLst>
+          </p:cNvPr>
+          <p:cNvSpPr txBox="1"/>
+          <p:nvPr/>
+        </p:nvSpPr>
+        <p:spPr>
+          <a:xfrm>
+            <a:off x="3053748" y="2700772"/>
+            <a:ext cx="6107494" cy="1477328"/>
+          </a:xfrm>
+          <a:prstGeom prst="rect">
+            <a:avLst/>
+          </a:prstGeom>
+          <a:noFill/>
+        </p:spPr>
+        <p:txBody>
+          <a:bodyPr wrap="square">
+            <a:spAutoFit/>
+          </a:bodyPr>
+          <a:lstStyle/>
+          <a:p>
+            <a:r>
+              <a:rPr lang="en-US" dirty="0"/>
+              <a:t>Students &amp; Learners – to create modern project portfolios and </a:t>
+            </a:r>
+            <a:r>
+              <a:rPr lang="en-US" dirty="0" err="1"/>
+              <a:t>presentationsWeb</a:t>
+            </a:r>
+            <a:r>
+              <a:rPr lang="en-US" dirty="0"/>
+              <a:t> Designers – for adding creative 3D effects in </a:t>
+            </a:r>
+            <a:r>
+              <a:rPr lang="en-US" dirty="0" err="1"/>
+              <a:t>websitesUI</a:t>
+            </a:r>
+            <a:r>
+              <a:rPr lang="en-US" dirty="0"/>
+              <a:t>/UX Developers – to enhance user interfaces with engaging </a:t>
+            </a:r>
+            <a:r>
+              <a:rPr lang="en-US" dirty="0" err="1"/>
+              <a:t>visualsCreative</a:t>
+            </a:r>
+            <a:r>
+              <a:rPr lang="en-US" dirty="0"/>
+              <a:t> Professionals – for digital art, branding, and design projects</a:t>
+            </a:r>
+          </a:p>
+        </p:txBody>
+      </p:sp>
     </p:spTree>
   </p:cSld>
   <p:clrMapOvr>
@@ -7290,6 +7320,49 @@
           </a:p>
         </p:txBody>
       </p:sp>
+      <p:sp>
+        <p:nvSpPr>
+          <p:cNvPr id="10" name="TextBox 9">
+            <a:extLst>
+              <a:ext uri="{FF2B5EF4-FFF2-40B4-BE49-F238E27FC236}">
+                <a16:creationId xmlns:a16="http://schemas.microsoft.com/office/drawing/2014/main" id="{B3431D42-C8E6-3A4A-61DB-50BFE8FEE7FB}"/>
+              </a:ext>
+            </a:extLst>
+          </p:cNvPr>
+          <p:cNvSpPr txBox="1"/>
+          <p:nvPr/>
+        </p:nvSpPr>
+        <p:spPr>
+          <a:xfrm>
+            <a:off x="3053748" y="2700772"/>
+            <a:ext cx="6107494" cy="1477328"/>
+          </a:xfrm>
+          <a:prstGeom prst="rect">
+            <a:avLst/>
+          </a:prstGeom>
+          <a:noFill/>
+        </p:spPr>
+        <p:txBody>
+          <a:bodyPr wrap="square">
+            <a:spAutoFit/>
+          </a:bodyPr>
+          <a:lstStyle/>
+          <a:p>
+            <a:r>
+              <a:rPr lang="en-US" dirty="0"/>
+              <a:t>Design Tools: Adobe Photoshop, Illustrator (for graphic design)3D Modelling: Blender (for creating 3D box effects)Web Technologies: HTML, CSS, JavaScript (for implementation in digital platforms)Presentation Tools: PowerPoint, </a:t>
+            </a:r>
+            <a:r>
+              <a:rPr lang="en-US" dirty="0" err="1"/>
+              <a:t>Figma</a:t>
+            </a:r>
+            <a:r>
+              <a:rPr lang="en-US" dirty="0"/>
+              <a:t> (for portfolio layout and showcasing)</a:t>
+            </a:r>
+          </a:p>
+        </p:txBody>
+      </p:sp>
     </p:spTree>
   </p:cSld>
   <p:clrMapOvr>
@@ -7441,8 +7514,8 @@
         </p:nvSpPr>
         <p:spPr>
           <a:xfrm>
-            <a:off x="739775" y="291147"/>
-            <a:ext cx="8794750" cy="629018"/>
+            <a:off x="739775" y="213322"/>
+            <a:ext cx="8613775" cy="629018"/>
           </a:xfrm>
           <a:prstGeom prst="rect">
             <a:avLst/>
@@ -7523,6 +7596,73 @@
           <a:lstStyle/>
           <a:p>
             <a:endParaRPr/>
+          </a:p>
+        </p:txBody>
+      </p:sp>
+      <p:sp>
+        <p:nvSpPr>
+          <p:cNvPr id="3" name="TextBox 2">
+            <a:extLst>
+              <a:ext uri="{FF2B5EF4-FFF2-40B4-BE49-F238E27FC236}">
+                <a16:creationId xmlns:a16="http://schemas.microsoft.com/office/drawing/2014/main" id="{E9013B11-FBB5-8FD8-F04F-226199559B63}"/>
+              </a:ext>
+            </a:extLst>
+          </p:cNvPr>
+          <p:cNvSpPr txBox="1"/>
+          <p:nvPr/>
+        </p:nvSpPr>
+        <p:spPr>
+          <a:xfrm>
+            <a:off x="3053748" y="2562273"/>
+            <a:ext cx="6107494" cy="1754326"/>
+          </a:xfrm>
+          <a:prstGeom prst="rect">
+            <a:avLst/>
+          </a:prstGeom>
+          <a:noFill/>
+        </p:spPr>
+        <p:txBody>
+          <a:bodyPr wrap="square">
+            <a:spAutoFit/>
+          </a:bodyPr>
+          <a:lstStyle/>
+          <a:p>
+            <a:r>
+              <a:rPr lang="en-US" dirty="0"/>
+              <a:t>Portfolio Design and </a:t>
+            </a:r>
+            <a:r>
+              <a:rPr lang="en-US" dirty="0" err="1"/>
+              <a:t>LayoutA</a:t>
+            </a:r>
+            <a:r>
+              <a:rPr lang="en-US" dirty="0"/>
+              <a:t> clean and professional structure for showcasing </a:t>
+            </a:r>
+            <a:r>
+              <a:rPr lang="en-US" dirty="0" err="1"/>
+              <a:t>projectsIntegration</a:t>
+            </a:r>
+            <a:r>
+              <a:rPr lang="en-US" dirty="0"/>
+              <a:t> of 3D box background to create depth and visual </a:t>
+            </a:r>
+            <a:r>
+              <a:rPr lang="en-US" dirty="0" err="1"/>
+              <a:t>appealConsistent</a:t>
+            </a:r>
+            <a:r>
+              <a:rPr lang="en-US" dirty="0"/>
+              <a:t> use of fonts, colors, and spacing for </a:t>
+            </a:r>
+            <a:r>
+              <a:rPr lang="en-US" dirty="0" err="1"/>
+              <a:t>readabilityOrganized</a:t>
+            </a:r>
+            <a:r>
+              <a:rPr lang="en-US" dirty="0"/>
+              <a:t> navigation with clear sections (About, Projects, Skills, Contact)Layout designed to highlight creativity while maintaining functionality</a:t>
+            </a:r>
           </a:p>
         </p:txBody>
       </p:sp>
@@ -7575,6 +7715,81 @@
             <a:r>
               <a:rPr lang="en-IN" dirty="0"/>
               <a:t>FEATURES AND FUNCTIONALITY</a:t>
+            </a:r>
+          </a:p>
+        </p:txBody>
+      </p:sp>
+      <p:sp>
+        <p:nvSpPr>
+          <p:cNvPr id="4" name="TextBox 3">
+            <a:extLst>
+              <a:ext uri="{FF2B5EF4-FFF2-40B4-BE49-F238E27FC236}">
+                <a16:creationId xmlns:a16="http://schemas.microsoft.com/office/drawing/2014/main" id="{F4363B2C-DD5A-C0C5-5CC2-DB6F66BA6618}"/>
+              </a:ext>
+            </a:extLst>
+          </p:cNvPr>
+          <p:cNvSpPr txBox="1"/>
+          <p:nvPr/>
+        </p:nvSpPr>
+        <p:spPr>
+          <a:xfrm>
+            <a:off x="3053748" y="2423774"/>
+            <a:ext cx="6107494" cy="2031325"/>
+          </a:xfrm>
+          <a:prstGeom prst="rect">
+            <a:avLst/>
+          </a:prstGeom>
+          <a:noFill/>
+        </p:spPr>
+        <p:txBody>
+          <a:bodyPr wrap="square">
+            <a:spAutoFit/>
+          </a:bodyPr>
+          <a:lstStyle/>
+          <a:p>
+            <a:r>
+              <a:rPr lang="en-US" dirty="0"/>
+              <a:t>3D Box Background adds depth and visual </a:t>
+            </a:r>
+            <a:r>
+              <a:rPr lang="en-US" dirty="0" err="1"/>
+              <a:t>engagementInteractive</a:t>
+            </a:r>
+            <a:r>
+              <a:rPr lang="en-US" dirty="0"/>
+              <a:t> Design enhances user </a:t>
+            </a:r>
+            <a:r>
+              <a:rPr lang="en-US" dirty="0" err="1"/>
+              <a:t>experienceResponsive</a:t>
+            </a:r>
+            <a:r>
+              <a:rPr lang="en-US" dirty="0"/>
+              <a:t> Layout adapts to different screens and </a:t>
+            </a:r>
+            <a:r>
+              <a:rPr lang="en-US" dirty="0" err="1"/>
+              <a:t>devicesCustomizable</a:t>
+            </a:r>
+            <a:r>
+              <a:rPr lang="en-US" dirty="0"/>
+              <a:t> Elements allow personalization of </a:t>
+            </a:r>
+            <a:r>
+              <a:rPr lang="en-US" dirty="0" err="1"/>
+              <a:t>designBalanced</a:t>
+            </a:r>
+            <a:r>
+              <a:rPr lang="en-US" dirty="0"/>
+              <a:t> Creativity &amp; Usability ensures both attractiveness and </a:t>
+            </a:r>
+            <a:r>
+              <a:rPr lang="en-US" dirty="0" err="1"/>
+              <a:t>functionalitySupports</a:t>
+            </a:r>
+            <a:r>
+              <a:rPr lang="en-US" dirty="0"/>
+              <a:t> Digital Portfolios for students, designers, and professionals</a:t>
             </a:r>
           </a:p>
         </p:txBody>
